--- a/doc/sqa/sqa_built_documents/HYBRID_SQA_Status_Dashboard.pptx
+++ b/doc/sqa/sqa_built_documents/HYBRID_SQA_Status_Dashboard.pptx
@@ -302,7 +302,7 @@
           <a:p>
             <a:fld id="{E6D1C339-CAC1-4443-897F-22558BB31AC2}" type="datetimeFigureOut">
               <a:rPr lang="en-US" smtClean="0"/>
-              <a:t>2/4/21</a:t>
+              <a:t>2/10/21</a:t>
             </a:fld>
             <a:endParaRPr lang="en-US" dirty="0"/>
           </a:p>
@@ -470,7 +470,7 @@
           <a:p>
             <a:fld id="{E6D1C339-CAC1-4443-897F-22558BB31AC2}" type="datetimeFigureOut">
               <a:rPr lang="en-US" smtClean="0"/>
-              <a:t>2/4/21</a:t>
+              <a:t>2/10/21</a:t>
             </a:fld>
             <a:endParaRPr lang="en-US" dirty="0"/>
           </a:p>
@@ -648,7 +648,7 @@
           <a:p>
             <a:fld id="{E6D1C339-CAC1-4443-897F-22558BB31AC2}" type="datetimeFigureOut">
               <a:rPr lang="en-US" smtClean="0"/>
-              <a:t>2/4/21</a:t>
+              <a:t>2/10/21</a:t>
             </a:fld>
             <a:endParaRPr lang="en-US" dirty="0"/>
           </a:p>
@@ -816,7 +816,7 @@
           <a:p>
             <a:fld id="{E6D1C339-CAC1-4443-897F-22558BB31AC2}" type="datetimeFigureOut">
               <a:rPr lang="en-US" smtClean="0"/>
-              <a:t>2/4/21</a:t>
+              <a:t>2/10/21</a:t>
             </a:fld>
             <a:endParaRPr lang="en-US" dirty="0"/>
           </a:p>
@@ -1061,7 +1061,7 @@
           <a:p>
             <a:fld id="{E6D1C339-CAC1-4443-897F-22558BB31AC2}" type="datetimeFigureOut">
               <a:rPr lang="en-US" smtClean="0"/>
-              <a:t>2/4/21</a:t>
+              <a:t>2/10/21</a:t>
             </a:fld>
             <a:endParaRPr lang="en-US" dirty="0"/>
           </a:p>
@@ -1346,7 +1346,7 @@
           <a:p>
             <a:fld id="{E6D1C339-CAC1-4443-897F-22558BB31AC2}" type="datetimeFigureOut">
               <a:rPr lang="en-US" smtClean="0"/>
-              <a:t>2/4/21</a:t>
+              <a:t>2/10/21</a:t>
             </a:fld>
             <a:endParaRPr lang="en-US" dirty="0"/>
           </a:p>
@@ -1765,7 +1765,7 @@
           <a:p>
             <a:fld id="{E6D1C339-CAC1-4443-897F-22558BB31AC2}" type="datetimeFigureOut">
               <a:rPr lang="en-US" smtClean="0"/>
-              <a:t>2/4/21</a:t>
+              <a:t>2/10/21</a:t>
             </a:fld>
             <a:endParaRPr lang="en-US" dirty="0"/>
           </a:p>
@@ -1882,7 +1882,7 @@
           <a:p>
             <a:fld id="{E6D1C339-CAC1-4443-897F-22558BB31AC2}" type="datetimeFigureOut">
               <a:rPr lang="en-US" smtClean="0"/>
-              <a:t>2/4/21</a:t>
+              <a:t>2/10/21</a:t>
             </a:fld>
             <a:endParaRPr lang="en-US" dirty="0"/>
           </a:p>
@@ -1977,7 +1977,7 @@
           <a:p>
             <a:fld id="{E6D1C339-CAC1-4443-897F-22558BB31AC2}" type="datetimeFigureOut">
               <a:rPr lang="en-US" smtClean="0"/>
-              <a:t>2/4/21</a:t>
+              <a:t>2/10/21</a:t>
             </a:fld>
             <a:endParaRPr lang="en-US" dirty="0"/>
           </a:p>
@@ -2252,7 +2252,7 @@
           <a:p>
             <a:fld id="{E6D1C339-CAC1-4443-897F-22558BB31AC2}" type="datetimeFigureOut">
               <a:rPr lang="en-US" smtClean="0"/>
-              <a:t>2/4/21</a:t>
+              <a:t>2/10/21</a:t>
             </a:fld>
             <a:endParaRPr lang="en-US" dirty="0"/>
           </a:p>
@@ -2504,7 +2504,7 @@
           <a:p>
             <a:fld id="{E6D1C339-CAC1-4443-897F-22558BB31AC2}" type="datetimeFigureOut">
               <a:rPr lang="en-US" smtClean="0"/>
-              <a:t>2/4/21</a:t>
+              <a:t>2/10/21</a:t>
             </a:fld>
             <a:endParaRPr lang="en-US" dirty="0"/>
           </a:p>
@@ -2715,7 +2715,7 @@
           <a:p>
             <a:fld id="{E6D1C339-CAC1-4443-897F-22558BB31AC2}" type="datetimeFigureOut">
               <a:rPr lang="en-US" smtClean="0"/>
-              <a:t>2/4/21</a:t>
+              <a:t>2/10/21</a:t>
             </a:fld>
             <a:endParaRPr lang="en-US" dirty="0"/>
           </a:p>
@@ -6262,7 +6262,7 @@
         <p:spPr>
           <a:xfrm>
             <a:off x="1884358" y="5832381"/>
-            <a:ext cx="1773242" cy="707886"/>
+            <a:ext cx="1600118" cy="861774"/>
           </a:xfrm>
           <a:prstGeom prst="rect">
             <a:avLst/>
@@ -6288,13 +6288,32 @@
           <a:p>
             <a:r>
               <a:rPr lang="en-US" sz="1000" dirty="0"/>
-              <a:t>Technical Lead: Andrea Alfonsi</a:t>
-            </a:r>
-          </a:p>
-          <a:p>
+              <a:t>Technical Lead: </a:t>
+            </a:r>
+            <a:r>
+              <a:rPr lang="en-US" sz="1000" dirty="0" err="1"/>
+              <a:t>Konor</a:t>
+            </a:r>
             <a:r>
               <a:rPr lang="en-US" sz="1000" dirty="0"/>
-              <a:t>Status:  In Process</a:t>
+              <a:t> Frick</a:t>
+            </a:r>
+          </a:p>
+          <a:p>
+            <a:r>
+              <a:rPr lang="en-US" sz="1000" dirty="0"/>
+              <a:t>SQA Lead: </a:t>
+            </a:r>
+            <a:r>
+              <a:rPr lang="en-US" sz="1000"/>
+              <a:t>Andrea Alfonsi</a:t>
+            </a:r>
+            <a:endParaRPr lang="en-US" sz="1000" dirty="0"/>
+          </a:p>
+          <a:p>
+            <a:r>
+              <a:rPr lang="en-US" sz="1000" dirty="0"/>
+              <a:t>Status: Complete</a:t>
             </a:r>
           </a:p>
           <a:p>
